--- a/D2/PPT03-Docker-DockerFile.pptx
+++ b/D2/PPT03-Docker-DockerFile.pptx
@@ -215,7 +215,7 @@
           <a:p>
             <a:fld id="{B96693F3-6D3D-4647-A5DA-FACFEF8A9F0C}" type="datetimeFigureOut">
               <a:rPr lang="en-IN" smtClean="0"/>
-              <a:t>11-02-2025</a:t>
+              <a:t>28-08-2025</a:t>
             </a:fld>
             <a:endParaRPr lang="en-IN"/>
           </a:p>
@@ -2267,7 +2267,7 @@
             <a:fld id="{5B03344B-D0D9-437D-8838-1FD1C4F164B7}" type="datetimeFigureOut">
               <a:rPr lang="en-US" smtClean="0"/>
               <a:pPr/>
-              <a:t>2/11/2025</a:t>
+              <a:t>8/28/2025</a:t>
             </a:fld>
             <a:endParaRPr lang="en-US"/>
           </a:p>
@@ -2439,7 +2439,7 @@
             <a:fld id="{5B03344B-D0D9-437D-8838-1FD1C4F164B7}" type="datetimeFigureOut">
               <a:rPr lang="en-US" smtClean="0"/>
               <a:pPr/>
-              <a:t>2/11/2025</a:t>
+              <a:t>8/28/2025</a:t>
             </a:fld>
             <a:endParaRPr lang="en-US"/>
           </a:p>
@@ -2485,42 +2485,6 @@
               <a:t>‹#›</a:t>
             </a:fld>
             <a:endParaRPr lang="en-US"/>
-          </a:p>
-        </p:txBody>
-      </p:sp>
-      <p:sp>
-        <p:nvSpPr>
-          <p:cNvPr id="7" name="TextBox 6"/>
-          <p:cNvSpPr txBox="1"/>
-          <p:nvPr userDrawn="1"/>
-        </p:nvSpPr>
-        <p:spPr>
-          <a:xfrm>
-            <a:off x="8508989" y="6521337"/>
-            <a:ext cx="3795976" cy="369332"/>
-          </a:xfrm>
-          <a:prstGeom prst="rect">
-            <a:avLst/>
-          </a:prstGeom>
-          <a:noFill/>
-        </p:spPr>
-        <p:txBody>
-          <a:bodyPr wrap="none" rtlCol="0">
-            <a:spAutoFit/>
-          </a:bodyPr>
-          <a:lstStyle/>
-          <a:p>
-            <a:r>
-              <a:rPr lang="en-US" dirty="0">
-                <a:solidFill>
-                  <a:srgbClr val="FFFFFF">
-                    <a:lumMod val="50000"/>
-                  </a:srgbClr>
-                </a:solidFill>
-                <a:latin typeface="Engravers MT" panose="02090707080505020304" pitchFamily="18" charset="0"/>
-              </a:rPr>
-              <a:t>VISHWACLOUDLAB.ORG</a:t>
-            </a:r>
           </a:p>
         </p:txBody>
       </p:sp>
@@ -2735,7 +2699,7 @@
             <a:fld id="{5B03344B-D0D9-437D-8838-1FD1C4F164B7}" type="datetimeFigureOut">
               <a:rPr lang="en-US" smtClean="0"/>
               <a:pPr/>
-              <a:t>2/11/2025</a:t>
+              <a:t>8/28/2025</a:t>
             </a:fld>
             <a:endParaRPr lang="en-US"/>
           </a:p>
@@ -3156,7 +3120,7 @@
             <a:fld id="{5B03344B-D0D9-437D-8838-1FD1C4F164B7}" type="datetimeFigureOut">
               <a:rPr lang="en-US" smtClean="0"/>
               <a:pPr/>
-              <a:t>2/11/2025</a:t>
+              <a:t>8/28/2025</a:t>
             </a:fld>
             <a:endParaRPr lang="en-US"/>
           </a:p>
@@ -3207,42 +3171,6 @@
               <a:t>‹#›</a:t>
             </a:fld>
             <a:endParaRPr lang="en-US"/>
-          </a:p>
-        </p:txBody>
-      </p:sp>
-      <p:sp>
-        <p:nvSpPr>
-          <p:cNvPr id="8" name="TextBox 7"/>
-          <p:cNvSpPr txBox="1"/>
-          <p:nvPr userDrawn="1"/>
-        </p:nvSpPr>
-        <p:spPr>
-          <a:xfrm>
-            <a:off x="8508989" y="6521337"/>
-            <a:ext cx="3789564" cy="369332"/>
-          </a:xfrm>
-          <a:prstGeom prst="rect">
-            <a:avLst/>
-          </a:prstGeom>
-          <a:noFill/>
-        </p:spPr>
-        <p:txBody>
-          <a:bodyPr wrap="none" rtlCol="0">
-            <a:spAutoFit/>
-          </a:bodyPr>
-          <a:lstStyle/>
-          <a:p>
-            <a:r>
-              <a:rPr lang="en-US" dirty="0">
-                <a:solidFill>
-                  <a:srgbClr val="FFFFFF">
-                    <a:lumMod val="50000"/>
-                  </a:srgbClr>
-                </a:solidFill>
-                <a:latin typeface="Engravers MT" panose="02090707080505020304" pitchFamily="18" charset="0"/>
-              </a:rPr>
-              <a:t>VISHWACLOUDLAB.com</a:t>
-            </a:r>
           </a:p>
         </p:txBody>
       </p:sp>
@@ -3623,7 +3551,7 @@
             <a:fld id="{5B03344B-D0D9-437D-8838-1FD1C4F164B7}" type="datetimeFigureOut">
               <a:rPr lang="en-US" smtClean="0"/>
               <a:pPr/>
-              <a:t>2/11/2025</a:t>
+              <a:t>8/28/2025</a:t>
             </a:fld>
             <a:endParaRPr lang="en-US"/>
           </a:p>
@@ -3715,42 +3643,6 @@
           </a:fontRef>
         </p:style>
       </p:cxnSp>
-      <p:sp>
-        <p:nvSpPr>
-          <p:cNvPr id="10" name="TextBox 9"/>
-          <p:cNvSpPr txBox="1"/>
-          <p:nvPr userDrawn="1"/>
-        </p:nvSpPr>
-        <p:spPr>
-          <a:xfrm>
-            <a:off x="8508989" y="6521337"/>
-            <a:ext cx="3789564" cy="369332"/>
-          </a:xfrm>
-          <a:prstGeom prst="rect">
-            <a:avLst/>
-          </a:prstGeom>
-          <a:noFill/>
-        </p:spPr>
-        <p:txBody>
-          <a:bodyPr wrap="none" rtlCol="0">
-            <a:spAutoFit/>
-          </a:bodyPr>
-          <a:lstStyle/>
-          <a:p>
-            <a:r>
-              <a:rPr lang="en-US" dirty="0">
-                <a:solidFill>
-                  <a:srgbClr val="FFFFFF">
-                    <a:lumMod val="85000"/>
-                  </a:srgbClr>
-                </a:solidFill>
-                <a:latin typeface="Engravers MT" panose="02090707080505020304" pitchFamily="18" charset="0"/>
-              </a:rPr>
-              <a:t>VISHWACLOUDLAB.com</a:t>
-            </a:r>
-          </a:p>
-        </p:txBody>
-      </p:sp>
     </p:spTree>
     <p:extLst>
       <p:ext uri="{BB962C8B-B14F-4D97-AF65-F5344CB8AC3E}">
@@ -3941,7 +3833,7 @@
             <a:fld id="{5B03344B-D0D9-437D-8838-1FD1C4F164B7}" type="datetimeFigureOut">
               <a:rPr lang="en-US" smtClean="0"/>
               <a:pPr/>
-              <a:t>2/11/2025</a:t>
+              <a:t>8/28/2025</a:t>
             </a:fld>
             <a:endParaRPr lang="en-US"/>
           </a:p>
@@ -3987,42 +3879,6 @@
               <a:t>‹#›</a:t>
             </a:fld>
             <a:endParaRPr lang="en-US"/>
-          </a:p>
-        </p:txBody>
-      </p:sp>
-      <p:sp>
-        <p:nvSpPr>
-          <p:cNvPr id="9" name="TextBox 8"/>
-          <p:cNvSpPr txBox="1"/>
-          <p:nvPr userDrawn="1"/>
-        </p:nvSpPr>
-        <p:spPr>
-          <a:xfrm>
-            <a:off x="8508989" y="6521337"/>
-            <a:ext cx="3789564" cy="369332"/>
-          </a:xfrm>
-          <a:prstGeom prst="rect">
-            <a:avLst/>
-          </a:prstGeom>
-          <a:noFill/>
-        </p:spPr>
-        <p:txBody>
-          <a:bodyPr wrap="none" rtlCol="0">
-            <a:spAutoFit/>
-          </a:bodyPr>
-          <a:lstStyle/>
-          <a:p>
-            <a:r>
-              <a:rPr lang="en-US" dirty="0">
-                <a:solidFill>
-                  <a:srgbClr val="FFFFFF">
-                    <a:lumMod val="50000"/>
-                  </a:srgbClr>
-                </a:solidFill>
-                <a:latin typeface="Engravers MT" panose="02090707080505020304" pitchFamily="18" charset="0"/>
-              </a:rPr>
-              <a:t>VISHWACLOUDLAB.com</a:t>
-            </a:r>
           </a:p>
         </p:txBody>
       </p:sp>
@@ -4358,7 +4214,7 @@
             <a:fld id="{5B03344B-D0D9-437D-8838-1FD1C4F164B7}" type="datetimeFigureOut">
               <a:rPr lang="en-US" smtClean="0"/>
               <a:pPr/>
-              <a:t>2/11/2025</a:t>
+              <a:t>8/28/2025</a:t>
             </a:fld>
             <a:endParaRPr lang="en-US"/>
           </a:p>
@@ -4404,42 +4260,6 @@
               <a:t>‹#›</a:t>
             </a:fld>
             <a:endParaRPr lang="en-US"/>
-          </a:p>
-        </p:txBody>
-      </p:sp>
-      <p:sp>
-        <p:nvSpPr>
-          <p:cNvPr id="11" name="TextBox 10"/>
-          <p:cNvSpPr txBox="1"/>
-          <p:nvPr userDrawn="1"/>
-        </p:nvSpPr>
-        <p:spPr>
-          <a:xfrm>
-            <a:off x="8508989" y="6521337"/>
-            <a:ext cx="3789564" cy="369332"/>
-          </a:xfrm>
-          <a:prstGeom prst="rect">
-            <a:avLst/>
-          </a:prstGeom>
-          <a:noFill/>
-        </p:spPr>
-        <p:txBody>
-          <a:bodyPr wrap="none" rtlCol="0">
-            <a:spAutoFit/>
-          </a:bodyPr>
-          <a:lstStyle/>
-          <a:p>
-            <a:r>
-              <a:rPr lang="en-US" dirty="0">
-                <a:solidFill>
-                  <a:srgbClr val="FFFFFF">
-                    <a:lumMod val="50000"/>
-                  </a:srgbClr>
-                </a:solidFill>
-                <a:latin typeface="Engravers MT" panose="02090707080505020304" pitchFamily="18" charset="0"/>
-              </a:rPr>
-              <a:t>VISHWACLOUDLAB.com</a:t>
-            </a:r>
           </a:p>
         </p:txBody>
       </p:sp>
@@ -4514,7 +4334,7 @@
             <a:fld id="{5B03344B-D0D9-437D-8838-1FD1C4F164B7}" type="datetimeFigureOut">
               <a:rPr lang="en-US" smtClean="0"/>
               <a:pPr/>
-              <a:t>2/11/2025</a:t>
+              <a:t>8/28/2025</a:t>
             </a:fld>
             <a:endParaRPr lang="en-US"/>
           </a:p>
@@ -4560,42 +4380,6 @@
               <a:t>‹#›</a:t>
             </a:fld>
             <a:endParaRPr lang="en-US"/>
-          </a:p>
-        </p:txBody>
-      </p:sp>
-      <p:sp>
-        <p:nvSpPr>
-          <p:cNvPr id="6" name="TextBox 5"/>
-          <p:cNvSpPr txBox="1"/>
-          <p:nvPr userDrawn="1"/>
-        </p:nvSpPr>
-        <p:spPr>
-          <a:xfrm>
-            <a:off x="8508989" y="6521337"/>
-            <a:ext cx="3789564" cy="369332"/>
-          </a:xfrm>
-          <a:prstGeom prst="rect">
-            <a:avLst/>
-          </a:prstGeom>
-          <a:noFill/>
-        </p:spPr>
-        <p:txBody>
-          <a:bodyPr wrap="none" rtlCol="0">
-            <a:spAutoFit/>
-          </a:bodyPr>
-          <a:lstStyle/>
-          <a:p>
-            <a:r>
-              <a:rPr lang="en-US" dirty="0">
-                <a:solidFill>
-                  <a:srgbClr val="FFFFFF">
-                    <a:lumMod val="50000"/>
-                  </a:srgbClr>
-                </a:solidFill>
-                <a:latin typeface="Engravers MT" panose="02090707080505020304" pitchFamily="18" charset="0"/>
-              </a:rPr>
-              <a:t>VISHWACLOUDLAB.COM</a:t>
-            </a:r>
           </a:p>
         </p:txBody>
       </p:sp>
@@ -4725,7 +4509,7 @@
             <a:fld id="{5B03344B-D0D9-437D-8838-1FD1C4F164B7}" type="datetimeFigureOut">
               <a:rPr lang="en-US" smtClean="0"/>
               <a:pPr/>
-              <a:t>2/11/2025</a:t>
+              <a:t>8/28/2025</a:t>
             </a:fld>
             <a:endParaRPr lang="en-US"/>
           </a:p>
@@ -4779,42 +4563,6 @@
               <a:t>‹#›</a:t>
             </a:fld>
             <a:endParaRPr lang="en-US"/>
-          </a:p>
-        </p:txBody>
-      </p:sp>
-      <p:sp>
-        <p:nvSpPr>
-          <p:cNvPr id="10" name="TextBox 9"/>
-          <p:cNvSpPr txBox="1"/>
-          <p:nvPr userDrawn="1"/>
-        </p:nvSpPr>
-        <p:spPr>
-          <a:xfrm>
-            <a:off x="8508989" y="6521337"/>
-            <a:ext cx="3789564" cy="369332"/>
-          </a:xfrm>
-          <a:prstGeom prst="rect">
-            <a:avLst/>
-          </a:prstGeom>
-          <a:noFill/>
-        </p:spPr>
-        <p:txBody>
-          <a:bodyPr wrap="none" rtlCol="0">
-            <a:spAutoFit/>
-          </a:bodyPr>
-          <a:lstStyle/>
-          <a:p>
-            <a:r>
-              <a:rPr lang="en-US" dirty="0">
-                <a:solidFill>
-                  <a:srgbClr val="FFFFFF">
-                    <a:lumMod val="85000"/>
-                  </a:srgbClr>
-                </a:solidFill>
-                <a:latin typeface="Engravers MT" panose="02090707080505020304" pitchFamily="18" charset="0"/>
-              </a:rPr>
-              <a:t>VISHWACLOUDLAB.com</a:t>
-            </a:r>
           </a:p>
         </p:txBody>
       </p:sp>
@@ -5119,7 +4867,7 @@
             <a:fld id="{5B03344B-D0D9-437D-8838-1FD1C4F164B7}" type="datetimeFigureOut">
               <a:rPr lang="en-US" smtClean="0"/>
               <a:pPr/>
-              <a:t>2/11/2025</a:t>
+              <a:t>8/28/2025</a:t>
             </a:fld>
             <a:endParaRPr lang="en-US"/>
           </a:p>
@@ -5197,50 +4945,6 @@
               <a:solidFill>
                 <a:srgbClr val="46464A"/>
               </a:solidFill>
-            </a:endParaRPr>
-          </a:p>
-        </p:txBody>
-      </p:sp>
-      <p:sp>
-        <p:nvSpPr>
-          <p:cNvPr id="10" name="TextBox 9"/>
-          <p:cNvSpPr txBox="1"/>
-          <p:nvPr userDrawn="1"/>
-        </p:nvSpPr>
-        <p:spPr>
-          <a:xfrm>
-            <a:off x="8508989" y="6521337"/>
-            <a:ext cx="3789564" cy="369332"/>
-          </a:xfrm>
-          <a:prstGeom prst="rect">
-            <a:avLst/>
-          </a:prstGeom>
-          <a:noFill/>
-        </p:spPr>
-        <p:txBody>
-          <a:bodyPr wrap="none" rtlCol="0">
-            <a:spAutoFit/>
-          </a:bodyPr>
-          <a:lstStyle/>
-          <a:p>
-            <a:r>
-              <a:rPr lang="en-US">
-                <a:solidFill>
-                  <a:srgbClr val="FFFFFF">
-                    <a:lumMod val="50000"/>
-                  </a:srgbClr>
-                </a:solidFill>
-                <a:latin typeface="Engravers MT" panose="02090707080505020304" pitchFamily="18" charset="0"/>
-              </a:rPr>
-              <a:t>VISHWACLOUDLAB.com</a:t>
-            </a:r>
-            <a:endParaRPr lang="en-US" dirty="0">
-              <a:solidFill>
-                <a:srgbClr val="FFFFFF">
-                  <a:lumMod val="50000"/>
-                </a:srgbClr>
-              </a:solidFill>
-              <a:latin typeface="Engravers MT" panose="02090707080505020304" pitchFamily="18" charset="0"/>
             </a:endParaRPr>
           </a:p>
         </p:txBody>
@@ -5556,7 +5260,7 @@
             <a:fld id="{5B03344B-D0D9-437D-8838-1FD1C4F164B7}" type="datetimeFigureOut">
               <a:rPr lang="en-US" smtClean="0"/>
               <a:pPr/>
-              <a:t>2/11/2025</a:t>
+              <a:t>8/28/2025</a:t>
             </a:fld>
             <a:endParaRPr lang="en-US"/>
           </a:p>
@@ -5835,7 +5539,7 @@
             <a:fld id="{5B03344B-D0D9-437D-8838-1FD1C4F164B7}" type="datetimeFigureOut">
               <a:rPr lang="en-US" smtClean="0"/>
               <a:pPr/>
-              <a:t>2/11/2025</a:t>
+              <a:t>8/28/2025</a:t>
             </a:fld>
             <a:endParaRPr lang="en-US"/>
           </a:p>
@@ -6420,17 +6124,6 @@
                 <a:latin typeface="Arial Rounded MT Bold" panose="020F0704030504030204" pitchFamily="34" charset="0"/>
               </a:rPr>
               <a:t> m s</a:t>
-            </a:r>
-          </a:p>
-          <a:p>
-            <a:r>
-              <a:rPr lang="en-US" b="1" dirty="0">
-                <a:solidFill>
-                  <a:srgbClr val="0070C0"/>
-                </a:solidFill>
-                <a:latin typeface="Arial Rounded MT Bold" panose="020F0704030504030204" pitchFamily="34" charset="0"/>
-              </a:rPr>
-              <a:t>VISHWACLOUDLAB.COM</a:t>
             </a:r>
           </a:p>
         </p:txBody>
